--- a/Geographic Factors on US Population Growth.pptx
+++ b/Geographic Factors on US Population Growth.pptx
@@ -115,6 +115,11 @@
       </a:defRPr>
     </a:lvl9pPr>
   </p:defaultTextStyle>
+  <p:extLst>
+    <p:ext uri="{EFAFB233-063F-42B5-8137-9DF3F51BA10A}">
+      <p15:sldGuideLst xmlns:p15="http://schemas.microsoft.com/office/powerpoint/2012/main"/>
+    </p:ext>
+  </p:extLst>
 </p:presentation>
 </file>
 
@@ -200,7 +205,7 @@
           <a:p>
             <a:fld id="{4F591D82-12CE-4D09-83C9-98F275D72533}" type="datetimeFigureOut">
               <a:rPr lang="en-US" smtClean="0"/>
-              <a:t>7/10/2020</a:t>
+              <a:t>7/11/2020</a:t>
             </a:fld>
             <a:endParaRPr lang="en-US"/>
           </a:p>
@@ -878,7 +883,7 @@
           <a:p>
             <a:fld id="{867CCAF8-96F2-4FCA-8FBD-77B0459FE4BE}" type="datetimeFigureOut">
               <a:rPr lang="en-US" smtClean="0"/>
-              <a:t>7/10/2020</a:t>
+              <a:t>7/11/2020</a:t>
             </a:fld>
             <a:endParaRPr lang="en-US"/>
           </a:p>
@@ -1076,7 +1081,7 @@
           <a:p>
             <a:fld id="{867CCAF8-96F2-4FCA-8FBD-77B0459FE4BE}" type="datetimeFigureOut">
               <a:rPr lang="en-US" smtClean="0"/>
-              <a:t>7/10/2020</a:t>
+              <a:t>7/11/2020</a:t>
             </a:fld>
             <a:endParaRPr lang="en-US"/>
           </a:p>
@@ -1284,7 +1289,7 @@
           <a:p>
             <a:fld id="{867CCAF8-96F2-4FCA-8FBD-77B0459FE4BE}" type="datetimeFigureOut">
               <a:rPr lang="en-US" smtClean="0"/>
-              <a:t>7/10/2020</a:t>
+              <a:t>7/11/2020</a:t>
             </a:fld>
             <a:endParaRPr lang="en-US"/>
           </a:p>
@@ -1482,7 +1487,7 @@
           <a:p>
             <a:fld id="{867CCAF8-96F2-4FCA-8FBD-77B0459FE4BE}" type="datetimeFigureOut">
               <a:rPr lang="en-US" smtClean="0"/>
-              <a:t>7/10/2020</a:t>
+              <a:t>7/11/2020</a:t>
             </a:fld>
             <a:endParaRPr lang="en-US"/>
           </a:p>
@@ -1757,7 +1762,7 @@
           <a:p>
             <a:fld id="{867CCAF8-96F2-4FCA-8FBD-77B0459FE4BE}" type="datetimeFigureOut">
               <a:rPr lang="en-US" smtClean="0"/>
-              <a:t>7/10/2020</a:t>
+              <a:t>7/11/2020</a:t>
             </a:fld>
             <a:endParaRPr lang="en-US"/>
           </a:p>
@@ -2022,7 +2027,7 @@
           <a:p>
             <a:fld id="{867CCAF8-96F2-4FCA-8FBD-77B0459FE4BE}" type="datetimeFigureOut">
               <a:rPr lang="en-US" smtClean="0"/>
-              <a:t>7/10/2020</a:t>
+              <a:t>7/11/2020</a:t>
             </a:fld>
             <a:endParaRPr lang="en-US"/>
           </a:p>
@@ -2434,7 +2439,7 @@
           <a:p>
             <a:fld id="{867CCAF8-96F2-4FCA-8FBD-77B0459FE4BE}" type="datetimeFigureOut">
               <a:rPr lang="en-US" smtClean="0"/>
-              <a:t>7/10/2020</a:t>
+              <a:t>7/11/2020</a:t>
             </a:fld>
             <a:endParaRPr lang="en-US"/>
           </a:p>
@@ -2575,7 +2580,7 @@
           <a:p>
             <a:fld id="{867CCAF8-96F2-4FCA-8FBD-77B0459FE4BE}" type="datetimeFigureOut">
               <a:rPr lang="en-US" smtClean="0"/>
-              <a:t>7/10/2020</a:t>
+              <a:t>7/11/2020</a:t>
             </a:fld>
             <a:endParaRPr lang="en-US"/>
           </a:p>
@@ -2688,7 +2693,7 @@
           <a:p>
             <a:fld id="{867CCAF8-96F2-4FCA-8FBD-77B0459FE4BE}" type="datetimeFigureOut">
               <a:rPr lang="en-US" smtClean="0"/>
-              <a:t>7/10/2020</a:t>
+              <a:t>7/11/2020</a:t>
             </a:fld>
             <a:endParaRPr lang="en-US"/>
           </a:p>
@@ -2999,7 +3004,7 @@
           <a:p>
             <a:fld id="{867CCAF8-96F2-4FCA-8FBD-77B0459FE4BE}" type="datetimeFigureOut">
               <a:rPr lang="en-US" smtClean="0"/>
-              <a:t>7/10/2020</a:t>
+              <a:t>7/11/2020</a:t>
             </a:fld>
             <a:endParaRPr lang="en-US"/>
           </a:p>
@@ -3287,7 +3292,7 @@
           <a:p>
             <a:fld id="{867CCAF8-96F2-4FCA-8FBD-77B0459FE4BE}" type="datetimeFigureOut">
               <a:rPr lang="en-US" smtClean="0"/>
-              <a:t>7/10/2020</a:t>
+              <a:t>7/11/2020</a:t>
             </a:fld>
             <a:endParaRPr lang="en-US"/>
           </a:p>
@@ -3528,7 +3533,7 @@
           <a:p>
             <a:fld id="{867CCAF8-96F2-4FCA-8FBD-77B0459FE4BE}" type="datetimeFigureOut">
               <a:rPr lang="en-US" smtClean="0"/>
-              <a:t>7/10/2020</a:t>
+              <a:t>7/11/2020</a:t>
             </a:fld>
             <a:endParaRPr lang="en-US"/>
           </a:p>
@@ -3998,7 +4003,7 @@
                   </a:outerShdw>
                 </a:effectLst>
               </a:rPr>
-              <a:t>Geographic Factors on US Population Growth</a:t>
+              <a:t>Geographic Factors on US Population Changes</a:t>
             </a:r>
           </a:p>
         </p:txBody>
@@ -4172,7 +4177,7 @@
                   </a:outerShdw>
                 </a:effectLst>
               </a:rPr>
-              <a:t>Do any geographical factors contribute to population growth in the US?</a:t>
+              <a:t>Do any geographical factors contribute to population movement and growth in the US?</a:t>
             </a:r>
           </a:p>
         </p:txBody>
@@ -4271,11 +4276,13 @@
         </p:nvSpPr>
         <p:spPr/>
         <p:txBody>
-          <a:bodyPr/>
-          <a:lstStyle/>
-          <a:p>
-            <a:r>
-              <a:rPr lang="en-US" dirty="0">
+          <a:bodyPr>
+            <a:normAutofit/>
+          </a:bodyPr>
+          <a:lstStyle/>
+          <a:p>
+            <a:r>
+              <a:rPr lang="en-US" sz="3200" dirty="0">
                 <a:effectLst>
                   <a:outerShdw blurRad="38100" dist="38100" dir="2700000" algn="tl">
                     <a:srgbClr val="000000">
@@ -4289,7 +4296,7 @@
           </a:p>
           <a:p>
             <a:r>
-              <a:rPr lang="en-US" dirty="0">
+              <a:rPr lang="en-US" sz="3200" dirty="0">
                 <a:effectLst>
                   <a:outerShdw blurRad="38100" dist="38100" dir="2700000" algn="tl">
                     <a:srgbClr val="000000">
@@ -4303,7 +4310,7 @@
           </a:p>
           <a:p>
             <a:r>
-              <a:rPr lang="en-US" dirty="0">
+              <a:rPr lang="en-US" sz="3200" dirty="0">
                 <a:effectLst>
                   <a:outerShdw blurRad="38100" dist="38100" dir="2700000" algn="tl">
                     <a:srgbClr val="000000">

--- a/Geographic Factors on US Population Growth.pptx
+++ b/Geographic Factors on US Population Growth.pptx
@@ -5,7 +5,7 @@
     <p:sldMasterId id="2147483648" r:id="rId1"/>
   </p:sldMasterIdLst>
   <p:notesMasterIdLst>
-    <p:notesMasterId r:id="rId11"/>
+    <p:notesMasterId r:id="rId13"/>
   </p:notesMasterIdLst>
   <p:sldIdLst>
     <p:sldId id="256" r:id="rId2"/>
@@ -14,9 +14,11 @@
     <p:sldId id="263" r:id="rId5"/>
     <p:sldId id="264" r:id="rId6"/>
     <p:sldId id="259" r:id="rId7"/>
-    <p:sldId id="262" r:id="rId8"/>
-    <p:sldId id="260" r:id="rId9"/>
-    <p:sldId id="261" r:id="rId10"/>
+    <p:sldId id="267" r:id="rId8"/>
+    <p:sldId id="262" r:id="rId9"/>
+    <p:sldId id="266" r:id="rId10"/>
+    <p:sldId id="260" r:id="rId11"/>
+    <p:sldId id="261" r:id="rId12"/>
   </p:sldIdLst>
   <p:sldSz cx="12192000" cy="6858000"/>
   <p:notesSz cx="6858000" cy="9144000"/>
@@ -727,6 +729,90 @@
     <p:extLst>
       <p:ext uri="{BB962C8B-B14F-4D97-AF65-F5344CB8AC3E}">
         <p14:creationId xmlns:p14="http://schemas.microsoft.com/office/powerpoint/2010/main" val="117304666"/>
+      </p:ext>
+    </p:extLst>
+  </p:cSld>
+  <p:clrMapOvr>
+    <a:masterClrMapping/>
+  </p:clrMapOvr>
+</p:notes>
+</file>
+
+<file path=ppt/notesSlides/notesSlide4.xml><?xml version="1.0" encoding="utf-8"?>
+<p:notes xmlns:a="http://schemas.openxmlformats.org/drawingml/2006/main" xmlns:r="http://schemas.openxmlformats.org/officeDocument/2006/relationships" xmlns:p="http://schemas.openxmlformats.org/presentationml/2006/main">
+  <p:cSld>
+    <p:spTree>
+      <p:nvGrpSpPr>
+        <p:cNvPr id="1" name=""/>
+        <p:cNvGrpSpPr/>
+        <p:nvPr/>
+      </p:nvGrpSpPr>
+      <p:grpSpPr>
+        <a:xfrm>
+          <a:off x="0" y="0"/>
+          <a:ext cx="0" cy="0"/>
+          <a:chOff x="0" y="0"/>
+          <a:chExt cx="0" cy="0"/>
+        </a:xfrm>
+      </p:grpSpPr>
+      <p:sp>
+        <p:nvSpPr>
+          <p:cNvPr id="2" name="Slide Image Placeholder 1"/>
+          <p:cNvSpPr>
+            <a:spLocks noGrp="1" noRot="1" noChangeAspect="1"/>
+          </p:cNvSpPr>
+          <p:nvPr>
+            <p:ph type="sldImg"/>
+          </p:nvPr>
+        </p:nvSpPr>
+        <p:spPr/>
+      </p:sp>
+      <p:sp>
+        <p:nvSpPr>
+          <p:cNvPr id="3" name="Notes Placeholder 2"/>
+          <p:cNvSpPr>
+            <a:spLocks noGrp="1"/>
+          </p:cNvSpPr>
+          <p:nvPr>
+            <p:ph type="body" idx="1"/>
+          </p:nvPr>
+        </p:nvSpPr>
+        <p:spPr/>
+        <p:txBody>
+          <a:bodyPr/>
+          <a:lstStyle/>
+          <a:p>
+            <a:endParaRPr lang="en-US" dirty="0"/>
+          </a:p>
+        </p:txBody>
+      </p:sp>
+      <p:sp>
+        <p:nvSpPr>
+          <p:cNvPr id="4" name="Slide Number Placeholder 3"/>
+          <p:cNvSpPr>
+            <a:spLocks noGrp="1"/>
+          </p:cNvSpPr>
+          <p:nvPr>
+            <p:ph type="sldNum" sz="quarter" idx="5"/>
+          </p:nvPr>
+        </p:nvSpPr>
+        <p:spPr/>
+        <p:txBody>
+          <a:bodyPr/>
+          <a:lstStyle/>
+          <a:p>
+            <a:fld id="{037B2AA8-2789-4781-A42E-43E996812525}" type="slidenum">
+              <a:rPr lang="en-US" smtClean="0"/>
+              <a:t>7</a:t>
+            </a:fld>
+            <a:endParaRPr lang="en-US"/>
+          </a:p>
+        </p:txBody>
+      </p:sp>
+    </p:spTree>
+    <p:extLst>
+      <p:ext uri="{BB962C8B-B14F-4D97-AF65-F5344CB8AC3E}">
+        <p14:creationId xmlns:p14="http://schemas.microsoft.com/office/powerpoint/2010/main" val="704492221"/>
       </p:ext>
     </p:extLst>
   </p:cSld>
@@ -4065,6 +4151,372 @@
 </p:sld>
 </file>
 
+<file path=ppt/slides/slide10.xml><?xml version="1.0" encoding="utf-8"?>
+<p:sld xmlns:a="http://schemas.openxmlformats.org/drawingml/2006/main" xmlns:r="http://schemas.openxmlformats.org/officeDocument/2006/relationships" xmlns:p="http://schemas.openxmlformats.org/presentationml/2006/main">
+  <p:cSld>
+    <p:bg>
+      <p:bgPr>
+        <a:blipFill>
+          <a:blip r:embed="rId2"/>
+          <a:tile tx="0" ty="0" sx="100000" sy="100000" flip="none" algn="tl"/>
+        </a:blipFill>
+        <a:effectLst/>
+      </p:bgPr>
+    </p:bg>
+    <p:spTree>
+      <p:nvGrpSpPr>
+        <p:cNvPr id="1" name=""/>
+        <p:cNvGrpSpPr/>
+        <p:nvPr/>
+      </p:nvGrpSpPr>
+      <p:grpSpPr>
+        <a:xfrm>
+          <a:off x="0" y="0"/>
+          <a:ext cx="0" cy="0"/>
+          <a:chOff x="0" y="0"/>
+          <a:chExt cx="0" cy="0"/>
+        </a:xfrm>
+      </p:grpSpPr>
+      <p:sp>
+        <p:nvSpPr>
+          <p:cNvPr id="2" name="Title 1">
+            <a:extLst>
+              <a:ext uri="{FF2B5EF4-FFF2-40B4-BE49-F238E27FC236}">
+                <a16:creationId xmlns:a16="http://schemas.microsoft.com/office/drawing/2014/main" id="{97F58AC2-A851-46D6-AE91-13DBCDA38E2B}"/>
+              </a:ext>
+            </a:extLst>
+          </p:cNvPr>
+          <p:cNvSpPr>
+            <a:spLocks noGrp="1"/>
+          </p:cNvSpPr>
+          <p:nvPr>
+            <p:ph type="title"/>
+          </p:nvPr>
+        </p:nvSpPr>
+        <p:spPr>
+          <a:xfrm>
+            <a:off x="838200" y="1969336"/>
+            <a:ext cx="10515600" cy="1325563"/>
+          </a:xfrm>
+        </p:spPr>
+        <p:txBody>
+          <a:bodyPr>
+            <a:normAutofit/>
+          </a:bodyPr>
+          <a:lstStyle/>
+          <a:p>
+            <a:pPr algn="ctr"/>
+            <a:r>
+              <a:rPr lang="en-US" sz="6600" dirty="0">
+                <a:effectLst>
+                  <a:outerShdw blurRad="38100" dist="38100" dir="2700000" algn="tl">
+                    <a:srgbClr val="000000">
+                      <a:alpha val="43137"/>
+                    </a:srgbClr>
+                  </a:outerShdw>
+                </a:effectLst>
+              </a:rPr>
+              <a:t>Questions?</a:t>
+            </a:r>
+          </a:p>
+        </p:txBody>
+      </p:sp>
+    </p:spTree>
+    <p:extLst>
+      <p:ext uri="{BB962C8B-B14F-4D97-AF65-F5344CB8AC3E}">
+        <p14:creationId xmlns:p14="http://schemas.microsoft.com/office/powerpoint/2010/main" val="4206729478"/>
+      </p:ext>
+    </p:extLst>
+  </p:cSld>
+  <p:clrMapOvr>
+    <a:masterClrMapping/>
+  </p:clrMapOvr>
+</p:sld>
+</file>
+
+<file path=ppt/slides/slide11.xml><?xml version="1.0" encoding="utf-8"?>
+<p:sld xmlns:a="http://schemas.openxmlformats.org/drawingml/2006/main" xmlns:r="http://schemas.openxmlformats.org/officeDocument/2006/relationships" xmlns:p="http://schemas.openxmlformats.org/presentationml/2006/main">
+  <p:cSld>
+    <p:bg>
+      <p:bgPr>
+        <a:blipFill>
+          <a:blip r:embed="rId2"/>
+          <a:tile tx="0" ty="0" sx="100000" sy="100000" flip="none" algn="tl"/>
+        </a:blipFill>
+        <a:effectLst/>
+      </p:bgPr>
+    </p:bg>
+    <p:spTree>
+      <p:nvGrpSpPr>
+        <p:cNvPr id="1" name=""/>
+        <p:cNvGrpSpPr/>
+        <p:nvPr/>
+      </p:nvGrpSpPr>
+      <p:grpSpPr>
+        <a:xfrm>
+          <a:off x="0" y="0"/>
+          <a:ext cx="0" cy="0"/>
+          <a:chOff x="0" y="0"/>
+          <a:chExt cx="0" cy="0"/>
+        </a:xfrm>
+      </p:grpSpPr>
+      <p:sp>
+        <p:nvSpPr>
+          <p:cNvPr id="2" name="Title 1">
+            <a:extLst>
+              <a:ext uri="{FF2B5EF4-FFF2-40B4-BE49-F238E27FC236}">
+                <a16:creationId xmlns:a16="http://schemas.microsoft.com/office/drawing/2014/main" id="{CFDC893A-24D3-4AB9-ACB0-4F11544A8FD3}"/>
+              </a:ext>
+            </a:extLst>
+          </p:cNvPr>
+          <p:cNvSpPr>
+            <a:spLocks noGrp="1"/>
+          </p:cNvSpPr>
+          <p:nvPr>
+            <p:ph type="title"/>
+          </p:nvPr>
+        </p:nvSpPr>
+        <p:spPr/>
+        <p:txBody>
+          <a:bodyPr/>
+          <a:lstStyle/>
+          <a:p>
+            <a:pPr algn="ctr"/>
+            <a:r>
+              <a:rPr lang="en-US" dirty="0">
+                <a:effectLst>
+                  <a:outerShdw blurRad="38100" dist="38100" dir="2700000" algn="tl">
+                    <a:srgbClr val="000000">
+                      <a:alpha val="43137"/>
+                    </a:srgbClr>
+                  </a:outerShdw>
+                </a:effectLst>
+              </a:rPr>
+              <a:t>Data Sources</a:t>
+            </a:r>
+          </a:p>
+        </p:txBody>
+      </p:sp>
+      <p:sp>
+        <p:nvSpPr>
+          <p:cNvPr id="3" name="Content Placeholder 2">
+            <a:extLst>
+              <a:ext uri="{FF2B5EF4-FFF2-40B4-BE49-F238E27FC236}">
+                <a16:creationId xmlns:a16="http://schemas.microsoft.com/office/drawing/2014/main" id="{8CEFB7EE-C376-4AB9-936B-3F1E059BCD59}"/>
+              </a:ext>
+            </a:extLst>
+          </p:cNvPr>
+          <p:cNvSpPr>
+            <a:spLocks noGrp="1"/>
+          </p:cNvSpPr>
+          <p:nvPr>
+            <p:ph idx="1"/>
+          </p:nvPr>
+        </p:nvSpPr>
+        <p:spPr/>
+        <p:txBody>
+          <a:bodyPr>
+            <a:normAutofit/>
+          </a:bodyPr>
+          <a:lstStyle/>
+          <a:p>
+            <a:r>
+              <a:rPr lang="en-US" sz="2000" dirty="0"/>
+              <a:t> </a:t>
+            </a:r>
+            <a:r>
+              <a:rPr lang="en-US" sz="2000" u="sng" dirty="0">
+                <a:effectLst>
+                  <a:outerShdw blurRad="38100" dist="38100" dir="2700000" algn="tl">
+                    <a:srgbClr val="000000">
+                      <a:alpha val="43137"/>
+                    </a:srgbClr>
+                  </a:outerShdw>
+                </a:effectLst>
+                <a:hlinkClick r:id="rId3">
+                  <a:extLst>
+                    <a:ext uri="{A12FA001-AC4F-418D-AE19-62706E023703}">
+                      <ahyp:hlinkClr xmlns:ahyp="http://schemas.microsoft.com/office/drawing/2018/hyperlinkcolor" val="tx"/>
+                    </a:ext>
+                  </a:extLst>
+                </a:hlinkClick>
+              </a:rPr>
+              <a:t>https://www.census.gov/data/datasets/time-series/demo/popest/2010s-counties-total.html</a:t>
+            </a:r>
+            <a:endParaRPr lang="en-US" sz="2000" dirty="0">
+              <a:effectLst>
+                <a:outerShdw blurRad="38100" dist="38100" dir="2700000" algn="tl">
+                  <a:srgbClr val="000000">
+                    <a:alpha val="43137"/>
+                  </a:srgbClr>
+                </a:outerShdw>
+              </a:effectLst>
+            </a:endParaRPr>
+          </a:p>
+          <a:p>
+            <a:endParaRPr lang="en-US" sz="2000" u="sng" dirty="0">
+              <a:effectLst>
+                <a:outerShdw blurRad="38100" dist="38100" dir="2700000" algn="tl">
+                  <a:srgbClr val="000000">
+                    <a:alpha val="43137"/>
+                  </a:srgbClr>
+                </a:outerShdw>
+              </a:effectLst>
+              <a:hlinkClick r:id="rId4">
+                <a:extLst>
+                  <a:ext uri="{A12FA001-AC4F-418D-AE19-62706E023703}">
+                    <ahyp:hlinkClr xmlns:ahyp="http://schemas.microsoft.com/office/drawing/2018/hyperlinkcolor" val="tx"/>
+                  </a:ext>
+                </a:extLst>
+              </a:hlinkClick>
+            </a:endParaRPr>
+          </a:p>
+          <a:p>
+            <a:r>
+              <a:rPr lang="en-US" sz="2000" u="sng" dirty="0">
+                <a:effectLst>
+                  <a:outerShdw blurRad="38100" dist="38100" dir="2700000" algn="tl">
+                    <a:srgbClr val="000000">
+                      <a:alpha val="43137"/>
+                    </a:srgbClr>
+                  </a:outerShdw>
+                </a:effectLst>
+                <a:hlinkClick r:id="rId4">
+                  <a:extLst>
+                    <a:ext uri="{A12FA001-AC4F-418D-AE19-62706E023703}">
+                      <ahyp:hlinkClr xmlns:ahyp="http://schemas.microsoft.com/office/drawing/2018/hyperlinkcolor" val="tx"/>
+                    </a:ext>
+                  </a:extLst>
+                </a:hlinkClick>
+              </a:rPr>
+              <a:t>https://worldpopulationreview.com/us-counties/</a:t>
+            </a:r>
+            <a:endParaRPr lang="en-US" sz="2000" dirty="0">
+              <a:effectLst>
+                <a:outerShdw blurRad="38100" dist="38100" dir="2700000" algn="tl">
+                  <a:srgbClr val="000000">
+                    <a:alpha val="43137"/>
+                  </a:srgbClr>
+                </a:outerShdw>
+              </a:effectLst>
+            </a:endParaRPr>
+          </a:p>
+          <a:p>
+            <a:endParaRPr lang="en-US" sz="2000" u="sng" dirty="0">
+              <a:effectLst>
+                <a:outerShdw blurRad="38100" dist="38100" dir="2700000" algn="tl">
+                  <a:srgbClr val="000000">
+                    <a:alpha val="43137"/>
+                  </a:srgbClr>
+                </a:outerShdw>
+              </a:effectLst>
+              <a:hlinkClick r:id="rId5">
+                <a:extLst>
+                  <a:ext uri="{A12FA001-AC4F-418D-AE19-62706E023703}">
+                    <ahyp:hlinkClr xmlns:ahyp="http://schemas.microsoft.com/office/drawing/2018/hyperlinkcolor" val="tx"/>
+                  </a:ext>
+                </a:extLst>
+              </a:hlinkClick>
+            </a:endParaRPr>
+          </a:p>
+          <a:p>
+            <a:r>
+              <a:rPr lang="en-US" sz="2000" u="sng" dirty="0">
+                <a:effectLst>
+                  <a:outerShdw blurRad="38100" dist="38100" dir="2700000" algn="tl">
+                    <a:srgbClr val="000000">
+                      <a:alpha val="43137"/>
+                    </a:srgbClr>
+                  </a:outerShdw>
+                </a:effectLst>
+                <a:hlinkClick r:id="rId5">
+                  <a:extLst>
+                    <a:ext uri="{A12FA001-AC4F-418D-AE19-62706E023703}">
+                      <ahyp:hlinkClr xmlns:ahyp="http://schemas.microsoft.com/office/drawing/2018/hyperlinkcolor" val="tx"/>
+                    </a:ext>
+                  </a:extLst>
+                </a:hlinkClick>
+              </a:rPr>
+              <a:t>https://www.usgs.gov/core-science-systems/ngp/board-on-geographic-names/download-gnis-data</a:t>
+            </a:r>
+            <a:endParaRPr lang="en-US" sz="2000" dirty="0">
+              <a:effectLst>
+                <a:outerShdw blurRad="38100" dist="38100" dir="2700000" algn="tl">
+                  <a:srgbClr val="000000">
+                    <a:alpha val="43137"/>
+                  </a:srgbClr>
+                </a:outerShdw>
+              </a:effectLst>
+            </a:endParaRPr>
+          </a:p>
+          <a:p>
+            <a:endParaRPr lang="en-US" sz="2000" dirty="0">
+              <a:effectLst>
+                <a:outerShdw blurRad="38100" dist="38100" dir="2700000" algn="tl">
+                  <a:srgbClr val="000000">
+                    <a:alpha val="43137"/>
+                  </a:srgbClr>
+                </a:outerShdw>
+              </a:effectLst>
+            </a:endParaRPr>
+          </a:p>
+          <a:p>
+            <a:r>
+              <a:rPr lang="en-US" sz="2000" dirty="0">
+                <a:effectLst>
+                  <a:outerShdw blurRad="38100" dist="38100" dir="2700000" algn="tl">
+                    <a:srgbClr val="000000">
+                      <a:alpha val="43137"/>
+                    </a:srgbClr>
+                  </a:outerShdw>
+                </a:effectLst>
+              </a:rPr>
+              <a:t>NOAA National Centers for Environmental information, Climate at a Glance: County Mapping, published June 2020, retrieved on June 30, 2020 from </a:t>
+            </a:r>
+            <a:r>
+              <a:rPr lang="en-US" sz="2000" u="sng" dirty="0">
+                <a:effectLst>
+                  <a:outerShdw blurRad="38100" dist="38100" dir="2700000" algn="tl">
+                    <a:srgbClr val="000000">
+                      <a:alpha val="43137"/>
+                    </a:srgbClr>
+                  </a:outerShdw>
+                </a:effectLst>
+                <a:hlinkClick r:id="rId6">
+                  <a:extLst>
+                    <a:ext uri="{A12FA001-AC4F-418D-AE19-62706E023703}">
+                      <ahyp:hlinkClr xmlns:ahyp="http://schemas.microsoft.com/office/drawing/2018/hyperlinkcolor" val="tx"/>
+                    </a:ext>
+                  </a:extLst>
+                </a:hlinkClick>
+              </a:rPr>
+              <a:t>https://www.ncdc.noaa.gov/cag/</a:t>
+            </a:r>
+            <a:endParaRPr lang="en-US" sz="2000" dirty="0">
+              <a:effectLst>
+                <a:outerShdw blurRad="38100" dist="38100" dir="2700000" algn="tl">
+                  <a:srgbClr val="000000">
+                    <a:alpha val="43137"/>
+                  </a:srgbClr>
+                </a:outerShdw>
+              </a:effectLst>
+            </a:endParaRPr>
+          </a:p>
+        </p:txBody>
+      </p:sp>
+    </p:spTree>
+    <p:extLst>
+      <p:ext uri="{BB962C8B-B14F-4D97-AF65-F5344CB8AC3E}">
+        <p14:creationId xmlns:p14="http://schemas.microsoft.com/office/powerpoint/2010/main" val="1617398000"/>
+      </p:ext>
+    </p:extLst>
+  </p:cSld>
+  <p:clrMapOvr>
+    <a:masterClrMapping/>
+  </p:clrMapOvr>
+</p:sld>
+</file>
+
 <file path=ppt/slides/slide2.xml><?xml version="1.0" encoding="utf-8"?>
 <p:sld xmlns:a="http://schemas.openxmlformats.org/drawingml/2006/main" xmlns:r="http://schemas.openxmlformats.org/officeDocument/2006/relationships" xmlns:p="http://schemas.openxmlformats.org/presentationml/2006/main">
   <p:cSld>
@@ -4422,38 +4874,8 @@
         </p:blipFill>
         <p:spPr>
           <a:xfrm>
-            <a:off x="5534146" y="2286729"/>
-            <a:ext cx="6016215" cy="3984353"/>
-          </a:xfrm>
-          <a:prstGeom prst="rect">
-            <a:avLst/>
-          </a:prstGeom>
-        </p:spPr>
-      </p:pic>
-      <p:pic>
-        <p:nvPicPr>
-          <p:cNvPr id="7" name="Picture 6">
-            <a:extLst>
-              <a:ext uri="{FF2B5EF4-FFF2-40B4-BE49-F238E27FC236}">
-                <a16:creationId xmlns:a16="http://schemas.microsoft.com/office/drawing/2014/main" id="{8D1E2113-4079-4248-9AFE-60A5E78CE424}"/>
-              </a:ext>
-            </a:extLst>
-          </p:cNvPr>
-          <p:cNvPicPr>
-            <a:picLocks noChangeAspect="1"/>
-          </p:cNvPicPr>
-          <p:nvPr/>
-        </p:nvPicPr>
-        <p:blipFill>
-          <a:blip r:embed="rId5"/>
-          <a:stretch>
-            <a:fillRect/>
-          </a:stretch>
-        </p:blipFill>
-        <p:spPr>
-          <a:xfrm>
-            <a:off x="838200" y="2064937"/>
-            <a:ext cx="3997332" cy="4427938"/>
+            <a:off x="2138484" y="1471741"/>
+            <a:ext cx="7915031" cy="5241880"/>
           </a:xfrm>
           <a:prstGeom prst="rect">
             <a:avLst/>
@@ -4515,7 +4937,12 @@
             <p:ph type="title"/>
           </p:nvPr>
         </p:nvSpPr>
-        <p:spPr/>
+        <p:spPr>
+          <a:xfrm>
+            <a:off x="838200" y="365125"/>
+            <a:ext cx="10515600" cy="1325563"/>
+          </a:xfrm>
+        </p:spPr>
         <p:txBody>
           <a:bodyPr/>
           <a:lstStyle/>
@@ -4531,7 +4958,7 @@
                   </a:outerShdw>
                 </a:effectLst>
               </a:rPr>
-              <a:t>Analysis</a:t>
+              <a:t>Data Cleanup</a:t>
             </a:r>
           </a:p>
         </p:txBody>
@@ -4558,8 +4985,8 @@
         </p:blipFill>
         <p:spPr>
           <a:xfrm>
-            <a:off x="6373438" y="2175029"/>
-            <a:ext cx="5683272" cy="3282199"/>
+            <a:off x="2538284" y="2383576"/>
+            <a:ext cx="7115432" cy="4109299"/>
           </a:xfrm>
           <a:prstGeom prst="rect">
             <a:avLst/>
@@ -4568,10 +4995,10 @@
       </p:pic>
       <p:sp>
         <p:nvSpPr>
-          <p:cNvPr id="9" name="TextBox 8">
-            <a:extLst>
-              <a:ext uri="{FF2B5EF4-FFF2-40B4-BE49-F238E27FC236}">
-                <a16:creationId xmlns:a16="http://schemas.microsoft.com/office/drawing/2014/main" id="{E69586E1-67E8-4967-BF35-AE4E329FB8D8}"/>
+          <p:cNvPr id="10" name="TextBox 9">
+            <a:extLst>
+              <a:ext uri="{FF2B5EF4-FFF2-40B4-BE49-F238E27FC236}">
+                <a16:creationId xmlns:a16="http://schemas.microsoft.com/office/drawing/2014/main" id="{84C0EA2C-7AC4-486B-8874-A239BA040615}"/>
               </a:ext>
             </a:extLst>
           </p:cNvPr>
@@ -4580,8 +5007,8 @@
         </p:nvSpPr>
         <p:spPr>
           <a:xfrm>
-            <a:off x="726489" y="2175029"/>
-            <a:ext cx="4714042" cy="369332"/>
+            <a:off x="3738979" y="1806299"/>
+            <a:ext cx="4714042" cy="461665"/>
           </a:xfrm>
           <a:prstGeom prst="rect">
             <a:avLst/>
@@ -4596,51 +5023,7 @@
           <a:p>
             <a:pPr algn="ctr"/>
             <a:r>
-              <a:rPr lang="en-US" dirty="0">
-                <a:effectLst>
-                  <a:outerShdw blurRad="38100" dist="38100" dir="2700000" algn="tl">
-                    <a:srgbClr val="000000">
-                      <a:alpha val="43137"/>
-                    </a:srgbClr>
-                  </a:outerShdw>
-                </a:effectLst>
-              </a:rPr>
-              <a:t>Scatter Plot Creation</a:t>
-            </a:r>
-          </a:p>
-        </p:txBody>
-      </p:sp>
-      <p:sp>
-        <p:nvSpPr>
-          <p:cNvPr id="10" name="TextBox 9">
-            <a:extLst>
-              <a:ext uri="{FF2B5EF4-FFF2-40B4-BE49-F238E27FC236}">
-                <a16:creationId xmlns:a16="http://schemas.microsoft.com/office/drawing/2014/main" id="{84C0EA2C-7AC4-486B-8874-A239BA040615}"/>
-              </a:ext>
-            </a:extLst>
-          </p:cNvPr>
-          <p:cNvSpPr txBox="1"/>
-          <p:nvPr/>
-        </p:nvSpPr>
-        <p:spPr>
-          <a:xfrm>
-            <a:off x="6858053" y="1563526"/>
-            <a:ext cx="4714042" cy="369332"/>
-          </a:xfrm>
-          <a:prstGeom prst="rect">
-            <a:avLst/>
-          </a:prstGeom>
-          <a:noFill/>
-        </p:spPr>
-        <p:txBody>
-          <a:bodyPr wrap="square" rtlCol="0">
-            <a:spAutoFit/>
-          </a:bodyPr>
-          <a:lstStyle/>
-          <a:p>
-            <a:pPr algn="ctr"/>
-            <a:r>
-              <a:rPr lang="en-US" dirty="0">
+              <a:rPr lang="en-US" sz="2400" dirty="0">
                 <a:effectLst>
                   <a:outerShdw blurRad="38100" dist="38100" dir="2700000" algn="tl">
                     <a:srgbClr val="000000">
@@ -4654,36 +5037,6 @@
           </a:p>
         </p:txBody>
       </p:sp>
-      <p:pic>
-        <p:nvPicPr>
-          <p:cNvPr id="11" name="Picture 10">
-            <a:extLst>
-              <a:ext uri="{FF2B5EF4-FFF2-40B4-BE49-F238E27FC236}">
-                <a16:creationId xmlns:a16="http://schemas.microsoft.com/office/drawing/2014/main" id="{0AD98148-3D5D-4190-8848-6DF5E8B91566}"/>
-              </a:ext>
-            </a:extLst>
-          </p:cNvPr>
-          <p:cNvPicPr>
-            <a:picLocks noChangeAspect="1"/>
-          </p:cNvPicPr>
-          <p:nvPr/>
-        </p:nvPicPr>
-        <p:blipFill>
-          <a:blip r:embed="rId4"/>
-          <a:stretch>
-            <a:fillRect/>
-          </a:stretch>
-        </p:blipFill>
-        <p:spPr>
-          <a:xfrm>
-            <a:off x="55561" y="2952654"/>
-            <a:ext cx="6055898" cy="1726947"/>
-          </a:xfrm>
-          <a:prstGeom prst="rect">
-            <a:avLst/>
-          </a:prstGeom>
-        </p:spPr>
-      </p:pic>
     </p:spTree>
     <p:extLst>
       <p:ext uri="{BB962C8B-B14F-4D97-AF65-F5344CB8AC3E}">
@@ -4911,7 +5264,7 @@
         </p:spPr>
         <p:txBody>
           <a:bodyPr vert="horz" lIns="91440" tIns="45720" rIns="91440" bIns="45720" rtlCol="0">
-            <a:normAutofit fontScale="85000" lnSpcReduction="10000"/>
+            <a:noAutofit/>
           </a:bodyPr>
           <a:lstStyle/>
           <a:p>
@@ -4931,7 +5284,7 @@
                   </a:outerShdw>
                 </a:effectLst>
               </a:rPr>
-              <a:t>No statistically significant correlation between population growth and any of the chosen variables</a:t>
+              <a:t>No statistically significant correlation between population growth percentages and any of the chosen variables</a:t>
             </a:r>
           </a:p>
         </p:txBody>
@@ -5335,7 +5688,7 @@
     <p:bg>
       <p:bgPr>
         <a:blipFill>
-          <a:blip r:embed="rId2"/>
+          <a:blip r:embed="rId3"/>
           <a:tile tx="0" ty="0" sx="100000" sy="100000" flip="none" algn="tl"/>
         </a:blipFill>
         <a:effectLst/>
@@ -5355,12 +5708,129 @@
           <a:chExt cx="0" cy="0"/>
         </a:xfrm>
       </p:grpSpPr>
+      <p:cxnSp>
+        <p:nvCxnSpPr>
+          <p:cNvPr id="20" name="Straight Connector 16">
+            <a:extLst>
+              <a:ext uri="{FF2B5EF4-FFF2-40B4-BE49-F238E27FC236}">
+                <a16:creationId xmlns:a16="http://schemas.microsoft.com/office/drawing/2014/main" id="{99AE2756-0FC4-4155-83E7-58AAAB63E757}"/>
+              </a:ext>
+              <a:ext uri="{C183D7F6-B498-43B3-948B-1728B52AA6E4}">
+                <adec:decorative xmlns:adec="http://schemas.microsoft.com/office/drawing/2017/decorative" val="1"/>
+              </a:ext>
+            </a:extLst>
+          </p:cNvPr>
+          <p:cNvCxnSpPr>
+            <a:cxnSpLocks noGrp="1" noRot="1" noChangeAspect="1" noMove="1" noResize="1" noEditPoints="1" noAdjustHandles="1" noChangeArrowheads="1" noChangeShapeType="1"/>
+          </p:cNvCxnSpPr>
+          <p:nvPr>
+            <p:extLst>
+              <p:ext uri="{386F3935-93C4-4BCD-93E2-E3B085C9AB24}">
+                <p16:designElem xmlns:p16="http://schemas.microsoft.com/office/powerpoint/2015/main" val="1"/>
+              </p:ext>
+            </p:extLst>
+          </p:nvPr>
+        </p:nvCxnSpPr>
+        <p:spPr>
+          <a:xfrm>
+            <a:off x="4065689" y="477749"/>
+            <a:ext cx="0" cy="3657600"/>
+          </a:xfrm>
+          <a:prstGeom prst="line">
+            <a:avLst/>
+          </a:prstGeom>
+          <a:ln w="101600" cmpd="dbl">
+            <a:solidFill>
+              <a:srgbClr val="595959"/>
+            </a:solidFill>
+          </a:ln>
+        </p:spPr>
+        <p:style>
+          <a:lnRef idx="1">
+            <a:schemeClr val="accent1"/>
+          </a:lnRef>
+          <a:fillRef idx="0">
+            <a:schemeClr val="accent1"/>
+          </a:fillRef>
+          <a:effectRef idx="0">
+            <a:schemeClr val="accent1"/>
+          </a:effectRef>
+          <a:fontRef idx="minor">
+            <a:schemeClr val="tx1"/>
+          </a:fontRef>
+        </p:style>
+      </p:cxnSp>
+      <p:sp>
+        <p:nvSpPr>
+          <p:cNvPr id="19" name="Rectangle 18">
+            <a:extLst>
+              <a:ext uri="{FF2B5EF4-FFF2-40B4-BE49-F238E27FC236}">
+                <a16:creationId xmlns:a16="http://schemas.microsoft.com/office/drawing/2014/main" id="{247AB924-1B87-43FC-B7C7-B112D5C51A0E}"/>
+              </a:ext>
+              <a:ext uri="{C183D7F6-B498-43B3-948B-1728B52AA6E4}">
+                <adec:decorative xmlns:adec="http://schemas.microsoft.com/office/drawing/2017/decorative" val="1"/>
+              </a:ext>
+            </a:extLst>
+          </p:cNvPr>
+          <p:cNvSpPr>
+            <a:spLocks noGrp="1" noRot="1" noChangeAspect="1" noMove="1" noResize="1" noEditPoints="1" noAdjustHandles="1" noChangeArrowheads="1" noChangeShapeType="1" noTextEdit="1"/>
+          </p:cNvSpPr>
+          <p:nvPr>
+            <p:extLst>
+              <p:ext uri="{386F3935-93C4-4BCD-93E2-E3B085C9AB24}">
+                <p16:designElem xmlns:p16="http://schemas.microsoft.com/office/powerpoint/2015/main" val="1"/>
+              </p:ext>
+            </p:extLst>
+          </p:nvPr>
+        </p:nvSpPr>
+        <p:spPr bwMode="ltGray">
+          <a:xfrm>
+            <a:off x="378068" y="4633546"/>
+            <a:ext cx="11438793" cy="1844256"/>
+          </a:xfrm>
+          <a:prstGeom prst="rect">
+            <a:avLst/>
+          </a:prstGeom>
+          <a:solidFill>
+            <a:srgbClr val="404040"/>
+          </a:solidFill>
+          <a:ln w="127000" cap="sq" cmpd="thinThick">
+            <a:solidFill>
+              <a:srgbClr val="404040"/>
+            </a:solidFill>
+          </a:ln>
+        </p:spPr>
+        <p:style>
+          <a:lnRef idx="2">
+            <a:schemeClr val="accent1">
+              <a:shade val="50000"/>
+            </a:schemeClr>
+          </a:lnRef>
+          <a:fillRef idx="1">
+            <a:schemeClr val="accent1"/>
+          </a:fillRef>
+          <a:effectRef idx="0">
+            <a:schemeClr val="accent1"/>
+          </a:effectRef>
+          <a:fontRef idx="minor">
+            <a:schemeClr val="lt1"/>
+          </a:fontRef>
+        </p:style>
+        <p:txBody>
+          <a:bodyPr rtlCol="0" anchor="ctr"/>
+          <a:lstStyle/>
+          <a:p>
+            <a:pPr algn="ctr"/>
+            <a:endParaRPr lang="en-US"/>
+          </a:p>
+        </p:txBody>
+      </p:sp>
       <p:sp>
         <p:nvSpPr>
           <p:cNvPr id="2" name="Title 1">
             <a:extLst>
               <a:ext uri="{FF2B5EF4-FFF2-40B4-BE49-F238E27FC236}">
-                <a16:creationId xmlns:a16="http://schemas.microsoft.com/office/drawing/2014/main" id="{451190E0-034A-4CB4-BA09-B28E64371E07}"/>
+                <a16:creationId xmlns:a16="http://schemas.microsoft.com/office/drawing/2014/main" id="{5147FC18-B426-47AB-9DA2-3E6A96D47EEF}"/>
               </a:ext>
             </a:extLst>
           </p:cNvPr>
@@ -5371,14 +5841,24 @@
             <p:ph type="title"/>
           </p:nvPr>
         </p:nvSpPr>
-        <p:spPr/>
-        <p:txBody>
-          <a:bodyPr/>
+        <p:spPr>
+          <a:xfrm>
+            <a:off x="527538" y="4756638"/>
+            <a:ext cx="11139854" cy="930447"/>
+          </a:xfrm>
+        </p:spPr>
+        <p:txBody>
+          <a:bodyPr vert="horz" lIns="91440" tIns="45720" rIns="91440" bIns="45720" rtlCol="0" anchor="b">
+            <a:normAutofit/>
+          </a:bodyPr>
           <a:lstStyle/>
           <a:p>
             <a:pPr algn="ctr"/>
             <a:r>
-              <a:rPr lang="en-US" dirty="0">
+              <a:rPr lang="en-US" sz="5400" dirty="0">
+                <a:solidFill>
+                  <a:srgbClr val="FFFFFF"/>
+                </a:solidFill>
                 <a:effectLst>
                   <a:outerShdw blurRad="38100" dist="38100" dir="2700000" algn="tl">
                     <a:srgbClr val="000000">
@@ -5387,42 +5867,47 @@
                   </a:outerShdw>
                 </a:effectLst>
               </a:rPr>
-              <a:t>Maps</a:t>
-            </a:r>
-          </a:p>
-        </p:txBody>
-      </p:sp>
-      <p:sp>
-        <p:nvSpPr>
-          <p:cNvPr id="6" name="TextBox 5">
-            <a:extLst>
-              <a:ext uri="{FF2B5EF4-FFF2-40B4-BE49-F238E27FC236}">
-                <a16:creationId xmlns:a16="http://schemas.microsoft.com/office/drawing/2014/main" id="{AC38F9C1-3733-4BA9-8246-934420AC2328}"/>
-              </a:ext>
-            </a:extLst>
-          </p:cNvPr>
-          <p:cNvSpPr txBox="1"/>
-          <p:nvPr/>
+              <a:t>Data Visualization</a:t>
+            </a:r>
+          </a:p>
+        </p:txBody>
+      </p:sp>
+      <p:sp>
+        <p:nvSpPr>
+          <p:cNvPr id="12" name="Content Placeholder 11">
+            <a:extLst>
+              <a:ext uri="{FF2B5EF4-FFF2-40B4-BE49-F238E27FC236}">
+                <a16:creationId xmlns:a16="http://schemas.microsoft.com/office/drawing/2014/main" id="{FD626373-C925-4666-80A3-10416CB83003}"/>
+              </a:ext>
+            </a:extLst>
+          </p:cNvPr>
+          <p:cNvSpPr>
+            <a:spLocks noGrp="1"/>
+          </p:cNvSpPr>
+          <p:nvPr>
+            <p:ph idx="1"/>
+          </p:nvPr>
         </p:nvSpPr>
         <p:spPr>
           <a:xfrm>
-            <a:off x="721895" y="1844842"/>
-            <a:ext cx="4588042" cy="400110"/>
+            <a:off x="1339362" y="5815698"/>
+            <a:ext cx="9144000" cy="420001"/>
           </a:xfrm>
-          <a:prstGeom prst="rect">
-            <a:avLst/>
-          </a:prstGeom>
-          <a:noFill/>
         </p:spPr>
         <p:txBody>
-          <a:bodyPr wrap="square" rtlCol="0">
-            <a:spAutoFit/>
+          <a:bodyPr vert="horz" lIns="91440" tIns="45720" rIns="91440" bIns="45720" rtlCol="0">
+            <a:noAutofit/>
           </a:bodyPr>
           <a:lstStyle/>
           <a:p>
-            <a:pPr algn="ctr"/>
+            <a:pPr marL="0" indent="0" algn="ctr">
+              <a:buNone/>
+            </a:pPr>
             <a:r>
               <a:rPr lang="en-US" sz="2000" dirty="0">
+                <a:solidFill>
+                  <a:srgbClr val="E7E6E6"/>
+                </a:solidFill>
                 <a:effectLst>
                   <a:outerShdw blurRad="38100" dist="38100" dir="2700000" algn="tl">
                     <a:srgbClr val="000000">
@@ -5431,47 +5916,307 @@
                   </a:outerShdw>
                 </a:effectLst>
               </a:rPr>
-              <a:t>Population Growth Percent by County</a:t>
-            </a:r>
-          </a:p>
-        </p:txBody>
-      </p:sp>
-      <p:pic>
-        <p:nvPicPr>
-          <p:cNvPr id="7" name="Picture 6">
-            <a:extLst>
-              <a:ext uri="{FF2B5EF4-FFF2-40B4-BE49-F238E27FC236}">
-                <a16:creationId xmlns:a16="http://schemas.microsoft.com/office/drawing/2014/main" id="{BA5730F3-0183-4F4C-A860-A1EB2BCA5CB2}"/>
-              </a:ext>
-            </a:extLst>
-          </p:cNvPr>
-          <p:cNvPicPr>
-            <a:picLocks noChangeAspect="1"/>
-          </p:cNvPicPr>
-          <p:nvPr/>
-        </p:nvPicPr>
-        <p:blipFill>
-          <a:blip r:embed="rId3"/>
-          <a:stretch>
-            <a:fillRect/>
-          </a:stretch>
-        </p:blipFill>
+              <a:t>No statistically significant correlation between total population change and any of the chosen variables</a:t>
+            </a:r>
+          </a:p>
+        </p:txBody>
+      </p:sp>
+      <p:cxnSp>
+        <p:nvCxnSpPr>
+          <p:cNvPr id="21" name="Straight Connector 20">
+            <a:extLst>
+              <a:ext uri="{FF2B5EF4-FFF2-40B4-BE49-F238E27FC236}">
+                <a16:creationId xmlns:a16="http://schemas.microsoft.com/office/drawing/2014/main" id="{818DC98F-4057-4645-B948-F604F39A9CFE}"/>
+              </a:ext>
+              <a:ext uri="{C183D7F6-B498-43B3-948B-1728B52AA6E4}">
+                <adec:decorative xmlns:adec="http://schemas.microsoft.com/office/drawing/2017/decorative" val="1"/>
+              </a:ext>
+            </a:extLst>
+          </p:cNvPr>
+          <p:cNvCxnSpPr>
+            <a:cxnSpLocks noGrp="1" noRot="1" noChangeAspect="1" noMove="1" noResize="1" noEditPoints="1" noAdjustHandles="1" noChangeArrowheads="1" noChangeShapeType="1"/>
+          </p:cNvCxnSpPr>
+          <p:nvPr>
+            <p:extLst>
+              <p:ext uri="{386F3935-93C4-4BCD-93E2-E3B085C9AB24}">
+                <p16:designElem xmlns:p16="http://schemas.microsoft.com/office/powerpoint/2015/main" val="1"/>
+              </p:ext>
+            </p:extLst>
+          </p:nvPr>
+        </p:nvCxnSpPr>
         <p:spPr>
           <a:xfrm>
-            <a:off x="6241382" y="2508835"/>
-            <a:ext cx="5829300" cy="3667125"/>
+            <a:off x="8153400" y="477749"/>
+            <a:ext cx="0" cy="3657600"/>
+          </a:xfrm>
+          <a:prstGeom prst="line">
+            <a:avLst/>
+          </a:prstGeom>
+          <a:ln w="101600" cmpd="dbl">
+            <a:solidFill>
+              <a:srgbClr val="595959"/>
+            </a:solidFill>
+          </a:ln>
+        </p:spPr>
+        <p:style>
+          <a:lnRef idx="1">
+            <a:schemeClr val="accent1"/>
+          </a:lnRef>
+          <a:fillRef idx="0">
+            <a:schemeClr val="accent1"/>
+          </a:fillRef>
+          <a:effectRef idx="0">
+            <a:schemeClr val="accent1"/>
+          </a:effectRef>
+          <a:fontRef idx="minor">
+            <a:schemeClr val="tx1"/>
+          </a:fontRef>
+        </p:style>
+      </p:cxnSp>
+      <p:cxnSp>
+        <p:nvCxnSpPr>
+          <p:cNvPr id="23" name="Straight Connector 22">
+            <a:extLst>
+              <a:ext uri="{FF2B5EF4-FFF2-40B4-BE49-F238E27FC236}">
+                <a16:creationId xmlns:a16="http://schemas.microsoft.com/office/drawing/2014/main" id="{DAD2B705-4A9B-408D-AA80-4F41045E09DE}"/>
+              </a:ext>
+              <a:ext uri="{C183D7F6-B498-43B3-948B-1728B52AA6E4}">
+                <adec:decorative xmlns:adec="http://schemas.microsoft.com/office/drawing/2017/decorative" val="1"/>
+              </a:ext>
+            </a:extLst>
+          </p:cNvPr>
+          <p:cNvCxnSpPr>
+            <a:cxnSpLocks noGrp="1" noRot="1" noChangeAspect="1" noMove="1" noResize="1" noEditPoints="1" noAdjustHandles="1" noChangeArrowheads="1" noChangeShapeType="1"/>
+          </p:cNvCxnSpPr>
+          <p:nvPr>
+            <p:extLst>
+              <p:ext uri="{386F3935-93C4-4BCD-93E2-E3B085C9AB24}">
+                <p16:designElem xmlns:p16="http://schemas.microsoft.com/office/powerpoint/2015/main" val="1"/>
+              </p:ext>
+            </p:extLst>
+          </p:nvPr>
+        </p:nvCxnSpPr>
+        <p:spPr>
+          <a:xfrm>
+            <a:off x="2209800" y="5738691"/>
+            <a:ext cx="7772400" cy="0"/>
+          </a:xfrm>
+          <a:prstGeom prst="line">
+            <a:avLst/>
+          </a:prstGeom>
+          <a:ln w="22225">
+            <a:solidFill>
+              <a:srgbClr val="D9D9D9"/>
+            </a:solidFill>
+          </a:ln>
+        </p:spPr>
+        <p:style>
+          <a:lnRef idx="1">
+            <a:schemeClr val="accent1"/>
+          </a:lnRef>
+          <a:fillRef idx="0">
+            <a:schemeClr val="accent1"/>
+          </a:fillRef>
+          <a:effectRef idx="0">
+            <a:schemeClr val="accent1"/>
+          </a:effectRef>
+          <a:fontRef idx="minor">
+            <a:schemeClr val="tx1"/>
+          </a:fontRef>
+        </p:style>
+      </p:cxnSp>
+      <p:sp>
+        <p:nvSpPr>
+          <p:cNvPr id="4" name="AutoShape 2">
+            <a:extLst>
+              <a:ext uri="{FF2B5EF4-FFF2-40B4-BE49-F238E27FC236}">
+                <a16:creationId xmlns:a16="http://schemas.microsoft.com/office/drawing/2014/main" id="{66CB1F03-29E5-4A1F-8F4D-E98E7D8CCCC9}"/>
+              </a:ext>
+            </a:extLst>
+          </p:cNvPr>
+          <p:cNvSpPr>
+            <a:spLocks noChangeAspect="1" noChangeArrowheads="1"/>
+          </p:cNvSpPr>
+          <p:nvPr/>
+        </p:nvSpPr>
+        <p:spPr bwMode="auto">
+          <a:xfrm>
+            <a:off x="5943600" y="3276600"/>
+            <a:ext cx="304800" cy="304800"/>
           </a:xfrm>
           <a:prstGeom prst="rect">
             <a:avLst/>
           </a:prstGeom>
+          <a:noFill/>
+          <a:extLst>
+            <a:ext uri="{909E8E84-426E-40DD-AFC4-6F175D3DCCD1}">
+              <a14:hiddenFill xmlns:a14="http://schemas.microsoft.com/office/drawing/2010/main">
+                <a:solidFill>
+                  <a:srgbClr val="FFFFFF"/>
+                </a:solidFill>
+              </a14:hiddenFill>
+            </a:ext>
+          </a:extLst>
         </p:spPr>
-      </p:pic>
+        <p:txBody>
+          <a:bodyPr vert="horz" wrap="square" lIns="91440" tIns="45720" rIns="91440" bIns="45720" numCol="1" anchor="t" anchorCtr="0" compatLnSpc="1">
+            <a:prstTxWarp prst="textNoShape">
+              <a:avLst/>
+            </a:prstTxWarp>
+          </a:bodyPr>
+          <a:lstStyle/>
+          <a:p>
+            <a:endParaRPr lang="en-US"/>
+          </a:p>
+        </p:txBody>
+      </p:sp>
+      <p:sp>
+        <p:nvSpPr>
+          <p:cNvPr id="18" name="TextBox 17">
+            <a:extLst>
+              <a:ext uri="{FF2B5EF4-FFF2-40B4-BE49-F238E27FC236}">
+                <a16:creationId xmlns:a16="http://schemas.microsoft.com/office/drawing/2014/main" id="{58D2D4C1-FD6C-4ABE-A5B0-04D99B36DBBD}"/>
+              </a:ext>
+            </a:extLst>
+          </p:cNvPr>
+          <p:cNvSpPr txBox="1"/>
+          <p:nvPr/>
+        </p:nvSpPr>
+        <p:spPr>
+          <a:xfrm>
+            <a:off x="440671" y="3918012"/>
+            <a:ext cx="2793176" cy="368969"/>
+          </a:xfrm>
+          <a:prstGeom prst="rect">
+            <a:avLst/>
+          </a:prstGeom>
+          <a:noFill/>
+        </p:spPr>
+        <p:txBody>
+          <a:bodyPr wrap="square" rtlCol="0">
+            <a:spAutoFit/>
+          </a:bodyPr>
+          <a:lstStyle/>
+          <a:p>
+            <a:pPr algn="ctr"/>
+            <a:r>
+              <a:rPr lang="en-US" dirty="0">
+                <a:solidFill>
+                  <a:srgbClr val="FF0000"/>
+                </a:solidFill>
+                <a:effectLst>
+                  <a:outerShdw blurRad="38100" dist="38100" dir="2700000" algn="tl">
+                    <a:srgbClr val="000000">
+                      <a:alpha val="43137"/>
+                    </a:srgbClr>
+                  </a:outerShdw>
+                </a:effectLst>
+              </a:rPr>
+              <a:t>P-Value: .00000… </a:t>
+            </a:r>
+          </a:p>
+        </p:txBody>
+      </p:sp>
+      <p:sp>
+        <p:nvSpPr>
+          <p:cNvPr id="24" name="TextBox 23">
+            <a:extLst>
+              <a:ext uri="{FF2B5EF4-FFF2-40B4-BE49-F238E27FC236}">
+                <a16:creationId xmlns:a16="http://schemas.microsoft.com/office/drawing/2014/main" id="{11248C17-EF35-4A6E-9A12-C870905D59E4}"/>
+              </a:ext>
+            </a:extLst>
+          </p:cNvPr>
+          <p:cNvSpPr txBox="1"/>
+          <p:nvPr/>
+        </p:nvSpPr>
+        <p:spPr>
+          <a:xfrm>
+            <a:off x="4699412" y="3906810"/>
+            <a:ext cx="2793176" cy="368969"/>
+          </a:xfrm>
+          <a:prstGeom prst="rect">
+            <a:avLst/>
+          </a:prstGeom>
+          <a:noFill/>
+        </p:spPr>
+        <p:txBody>
+          <a:bodyPr wrap="square" rtlCol="0">
+            <a:spAutoFit/>
+          </a:bodyPr>
+          <a:lstStyle/>
+          <a:p>
+            <a:pPr algn="ctr"/>
+            <a:r>
+              <a:rPr lang="en-US" dirty="0">
+                <a:solidFill>
+                  <a:srgbClr val="FF0000"/>
+                </a:solidFill>
+                <a:effectLst>
+                  <a:outerShdw blurRad="38100" dist="38100" dir="2700000" algn="tl">
+                    <a:srgbClr val="000000">
+                      <a:alpha val="43137"/>
+                    </a:srgbClr>
+                  </a:outerShdw>
+                </a:effectLst>
+              </a:rPr>
+              <a:t>P-Value: .4055</a:t>
+            </a:r>
+          </a:p>
+        </p:txBody>
+      </p:sp>
+      <p:sp>
+        <p:nvSpPr>
+          <p:cNvPr id="25" name="TextBox 24">
+            <a:extLst>
+              <a:ext uri="{FF2B5EF4-FFF2-40B4-BE49-F238E27FC236}">
+                <a16:creationId xmlns:a16="http://schemas.microsoft.com/office/drawing/2014/main" id="{45694918-25F7-4264-9D61-D3D4E0D88D3C}"/>
+              </a:ext>
+            </a:extLst>
+          </p:cNvPr>
+          <p:cNvSpPr txBox="1"/>
+          <p:nvPr/>
+        </p:nvSpPr>
+        <p:spPr>
+          <a:xfrm>
+            <a:off x="8958153" y="3846567"/>
+            <a:ext cx="2793176" cy="368969"/>
+          </a:xfrm>
+          <a:prstGeom prst="rect">
+            <a:avLst/>
+          </a:prstGeom>
+          <a:noFill/>
+        </p:spPr>
+        <p:txBody>
+          <a:bodyPr wrap="square" rtlCol="0">
+            <a:spAutoFit/>
+          </a:bodyPr>
+          <a:lstStyle/>
+          <a:p>
+            <a:pPr algn="ctr"/>
+            <a:r>
+              <a:rPr lang="en-US" dirty="0">
+                <a:solidFill>
+                  <a:srgbClr val="FF0000"/>
+                </a:solidFill>
+                <a:effectLst>
+                  <a:outerShdw blurRad="38100" dist="38100" dir="2700000" algn="tl">
+                    <a:srgbClr val="000000">
+                      <a:alpha val="43137"/>
+                    </a:srgbClr>
+                  </a:outerShdw>
+                </a:effectLst>
+              </a:rPr>
+              <a:t>P-Value: .00754</a:t>
+            </a:r>
+          </a:p>
+        </p:txBody>
+      </p:sp>
       <p:pic>
         <p:nvPicPr>
-          <p:cNvPr id="8" name="Picture 7">
-            <a:extLst>
-              <a:ext uri="{FF2B5EF4-FFF2-40B4-BE49-F238E27FC236}">
-                <a16:creationId xmlns:a16="http://schemas.microsoft.com/office/drawing/2014/main" id="{A44E6D3B-8B0A-4FF8-A9FA-3938D10413D8}"/>
+          <p:cNvPr id="3" name="Picture 2">
+            <a:extLst>
+              <a:ext uri="{FF2B5EF4-FFF2-40B4-BE49-F238E27FC236}">
+                <a16:creationId xmlns:a16="http://schemas.microsoft.com/office/drawing/2014/main" id="{2AB6722F-F708-471F-9633-A7F859760084}"/>
               </a:ext>
             </a:extLst>
           </p:cNvPr>
@@ -5488,62 +6233,78 @@
         </p:blipFill>
         <p:spPr>
           <a:xfrm>
-            <a:off x="121319" y="2508835"/>
-            <a:ext cx="5829300" cy="3667125"/>
+            <a:off x="8278710" y="1094540"/>
+            <a:ext cx="3764886" cy="2509924"/>
           </a:xfrm>
           <a:prstGeom prst="rect">
             <a:avLst/>
           </a:prstGeom>
         </p:spPr>
       </p:pic>
-      <p:sp>
-        <p:nvSpPr>
-          <p:cNvPr id="9" name="TextBox 8">
-            <a:extLst>
-              <a:ext uri="{FF2B5EF4-FFF2-40B4-BE49-F238E27FC236}">
-                <a16:creationId xmlns:a16="http://schemas.microsoft.com/office/drawing/2014/main" id="{12A05CE1-BEFD-4CB0-903B-16D0E0A14A6E}"/>
-              </a:ext>
-            </a:extLst>
-          </p:cNvPr>
-          <p:cNvSpPr txBox="1"/>
+      <p:pic>
+        <p:nvPicPr>
+          <p:cNvPr id="5" name="Picture 4">
+            <a:extLst>
+              <a:ext uri="{FF2B5EF4-FFF2-40B4-BE49-F238E27FC236}">
+                <a16:creationId xmlns:a16="http://schemas.microsoft.com/office/drawing/2014/main" id="{0C54CF8F-74D7-4BD4-BE16-4BAEF07732C9}"/>
+              </a:ext>
+            </a:extLst>
+          </p:cNvPr>
+          <p:cNvPicPr>
+            <a:picLocks noChangeAspect="1"/>
+          </p:cNvPicPr>
           <p:nvPr/>
-        </p:nvSpPr>
+        </p:nvPicPr>
+        <p:blipFill>
+          <a:blip r:embed="rId5"/>
+          <a:stretch>
+            <a:fillRect/>
+          </a:stretch>
+        </p:blipFill>
         <p:spPr>
           <a:xfrm>
-            <a:off x="6882065" y="1844842"/>
-            <a:ext cx="4588042" cy="400110"/>
+            <a:off x="4213557" y="1094540"/>
+            <a:ext cx="3764886" cy="2509924"/>
           </a:xfrm>
           <a:prstGeom prst="rect">
             <a:avLst/>
           </a:prstGeom>
-          <a:noFill/>
         </p:spPr>
-        <p:txBody>
-          <a:bodyPr wrap="square" rtlCol="0">
-            <a:spAutoFit/>
-          </a:bodyPr>
-          <a:lstStyle/>
-          <a:p>
-            <a:pPr algn="ctr"/>
-            <a:r>
-              <a:rPr lang="en-US" sz="2000" dirty="0">
-                <a:effectLst>
-                  <a:outerShdw blurRad="38100" dist="38100" dir="2700000" algn="tl">
-                    <a:srgbClr val="000000">
-                      <a:alpha val="43137"/>
-                    </a:srgbClr>
-                  </a:outerShdw>
-                </a:effectLst>
-              </a:rPr>
-              <a:t>Elevation by County</a:t>
-            </a:r>
-          </a:p>
-        </p:txBody>
-      </p:sp>
+      </p:pic>
+      <p:pic>
+        <p:nvPicPr>
+          <p:cNvPr id="6" name="Picture 5">
+            <a:extLst>
+              <a:ext uri="{FF2B5EF4-FFF2-40B4-BE49-F238E27FC236}">
+                <a16:creationId xmlns:a16="http://schemas.microsoft.com/office/drawing/2014/main" id="{C83FE9AA-4170-4D8C-94D2-5631DC59EE62}"/>
+              </a:ext>
+            </a:extLst>
+          </p:cNvPr>
+          <p:cNvPicPr>
+            <a:picLocks noChangeAspect="1"/>
+          </p:cNvPicPr>
+          <p:nvPr/>
+        </p:nvPicPr>
+        <p:blipFill>
+          <a:blip r:embed="rId6"/>
+          <a:stretch>
+            <a:fillRect/>
+          </a:stretch>
+        </p:blipFill>
+        <p:spPr>
+          <a:xfrm>
+            <a:off x="145392" y="1094540"/>
+            <a:ext cx="3740937" cy="2493958"/>
+          </a:xfrm>
+          <a:prstGeom prst="rect">
+            <a:avLst/>
+          </a:prstGeom>
+        </p:spPr>
+      </p:pic>
     </p:spTree>
     <p:extLst>
       <p:ext uri="{BB962C8B-B14F-4D97-AF65-F5344CB8AC3E}">
-        <p14:creationId xmlns:p14="http://schemas.microsoft.com/office/powerpoint/2010/main" val="3406513576"/>
+        <p14:creationId xmlns:p14="http://schemas.microsoft.com/office/powerpoint/2010/main" val="2641158498"/>
       </p:ext>
     </p:extLst>
   </p:cSld>
@@ -5584,7 +6345,7 @@
           <p:cNvPr id="2" name="Title 1">
             <a:extLst>
               <a:ext uri="{FF2B5EF4-FFF2-40B4-BE49-F238E27FC236}">
-                <a16:creationId xmlns:a16="http://schemas.microsoft.com/office/drawing/2014/main" id="{97F58AC2-A851-46D6-AE91-13DBCDA38E2B}"/>
+                <a16:creationId xmlns:a16="http://schemas.microsoft.com/office/drawing/2014/main" id="{451190E0-034A-4CB4-BA09-B28E64371E07}"/>
               </a:ext>
             </a:extLst>
           </p:cNvPr>
@@ -5611,7 +6372,155 @@
                   </a:outerShdw>
                 </a:effectLst>
               </a:rPr>
-              <a:t>Questions?</a:t>
+              <a:t>Maps</a:t>
+            </a:r>
+          </a:p>
+        </p:txBody>
+      </p:sp>
+      <p:sp>
+        <p:nvSpPr>
+          <p:cNvPr id="6" name="TextBox 5">
+            <a:extLst>
+              <a:ext uri="{FF2B5EF4-FFF2-40B4-BE49-F238E27FC236}">
+                <a16:creationId xmlns:a16="http://schemas.microsoft.com/office/drawing/2014/main" id="{AC38F9C1-3733-4BA9-8246-934420AC2328}"/>
+              </a:ext>
+            </a:extLst>
+          </p:cNvPr>
+          <p:cNvSpPr txBox="1"/>
+          <p:nvPr/>
+        </p:nvSpPr>
+        <p:spPr>
+          <a:xfrm>
+            <a:off x="721895" y="1844842"/>
+            <a:ext cx="4588042" cy="400110"/>
+          </a:xfrm>
+          <a:prstGeom prst="rect">
+            <a:avLst/>
+          </a:prstGeom>
+          <a:noFill/>
+        </p:spPr>
+        <p:txBody>
+          <a:bodyPr wrap="square" rtlCol="0">
+            <a:spAutoFit/>
+          </a:bodyPr>
+          <a:lstStyle/>
+          <a:p>
+            <a:pPr algn="ctr"/>
+            <a:r>
+              <a:rPr lang="en-US" sz="2000" dirty="0">
+                <a:effectLst>
+                  <a:outerShdw blurRad="38100" dist="38100" dir="2700000" algn="tl">
+                    <a:srgbClr val="000000">
+                      <a:alpha val="43137"/>
+                    </a:srgbClr>
+                  </a:outerShdw>
+                </a:effectLst>
+              </a:rPr>
+              <a:t>Population Growth Percent by County</a:t>
+            </a:r>
+          </a:p>
+        </p:txBody>
+      </p:sp>
+      <p:pic>
+        <p:nvPicPr>
+          <p:cNvPr id="7" name="Picture 6">
+            <a:extLst>
+              <a:ext uri="{FF2B5EF4-FFF2-40B4-BE49-F238E27FC236}">
+                <a16:creationId xmlns:a16="http://schemas.microsoft.com/office/drawing/2014/main" id="{BA5730F3-0183-4F4C-A860-A1EB2BCA5CB2}"/>
+              </a:ext>
+            </a:extLst>
+          </p:cNvPr>
+          <p:cNvPicPr>
+            <a:picLocks noChangeAspect="1"/>
+          </p:cNvPicPr>
+          <p:nvPr/>
+        </p:nvPicPr>
+        <p:blipFill>
+          <a:blip r:embed="rId3"/>
+          <a:stretch>
+            <a:fillRect/>
+          </a:stretch>
+        </p:blipFill>
+        <p:spPr>
+          <a:xfrm>
+            <a:off x="6241382" y="2508835"/>
+            <a:ext cx="5829300" cy="3667125"/>
+          </a:xfrm>
+          <a:prstGeom prst="rect">
+            <a:avLst/>
+          </a:prstGeom>
+        </p:spPr>
+      </p:pic>
+      <p:pic>
+        <p:nvPicPr>
+          <p:cNvPr id="8" name="Picture 7">
+            <a:extLst>
+              <a:ext uri="{FF2B5EF4-FFF2-40B4-BE49-F238E27FC236}">
+                <a16:creationId xmlns:a16="http://schemas.microsoft.com/office/drawing/2014/main" id="{A44E6D3B-8B0A-4FF8-A9FA-3938D10413D8}"/>
+              </a:ext>
+            </a:extLst>
+          </p:cNvPr>
+          <p:cNvPicPr>
+            <a:picLocks noChangeAspect="1"/>
+          </p:cNvPicPr>
+          <p:nvPr/>
+        </p:nvPicPr>
+        <p:blipFill>
+          <a:blip r:embed="rId4"/>
+          <a:stretch>
+            <a:fillRect/>
+          </a:stretch>
+        </p:blipFill>
+        <p:spPr>
+          <a:xfrm>
+            <a:off x="121319" y="2508835"/>
+            <a:ext cx="5829300" cy="3667125"/>
+          </a:xfrm>
+          <a:prstGeom prst="rect">
+            <a:avLst/>
+          </a:prstGeom>
+        </p:spPr>
+      </p:pic>
+      <p:sp>
+        <p:nvSpPr>
+          <p:cNvPr id="9" name="TextBox 8">
+            <a:extLst>
+              <a:ext uri="{FF2B5EF4-FFF2-40B4-BE49-F238E27FC236}">
+                <a16:creationId xmlns:a16="http://schemas.microsoft.com/office/drawing/2014/main" id="{12A05CE1-BEFD-4CB0-903B-16D0E0A14A6E}"/>
+              </a:ext>
+            </a:extLst>
+          </p:cNvPr>
+          <p:cNvSpPr txBox="1"/>
+          <p:nvPr/>
+        </p:nvSpPr>
+        <p:spPr>
+          <a:xfrm>
+            <a:off x="6882065" y="1844842"/>
+            <a:ext cx="4588042" cy="400110"/>
+          </a:xfrm>
+          <a:prstGeom prst="rect">
+            <a:avLst/>
+          </a:prstGeom>
+          <a:noFill/>
+        </p:spPr>
+        <p:txBody>
+          <a:bodyPr wrap="square" rtlCol="0">
+            <a:spAutoFit/>
+          </a:bodyPr>
+          <a:lstStyle/>
+          <a:p>
+            <a:pPr algn="ctr"/>
+            <a:r>
+              <a:rPr lang="en-US" sz="2000" dirty="0">
+                <a:effectLst>
+                  <a:outerShdw blurRad="38100" dist="38100" dir="2700000" algn="tl">
+                    <a:srgbClr val="000000">
+                      <a:alpha val="43137"/>
+                    </a:srgbClr>
+                  </a:outerShdw>
+                </a:effectLst>
+              </a:rPr>
+              <a:t>Elevation by County</a:t>
             </a:r>
           </a:p>
         </p:txBody>
@@ -5619,7 +6528,7 @@
     </p:spTree>
     <p:extLst>
       <p:ext uri="{BB962C8B-B14F-4D97-AF65-F5344CB8AC3E}">
-        <p14:creationId xmlns:p14="http://schemas.microsoft.com/office/powerpoint/2010/main" val="4206729478"/>
+        <p14:creationId xmlns:p14="http://schemas.microsoft.com/office/powerpoint/2010/main" val="3406513576"/>
       </p:ext>
     </p:extLst>
   </p:cSld>
@@ -5660,7 +6569,7 @@
           <p:cNvPr id="2" name="Title 1">
             <a:extLst>
               <a:ext uri="{FF2B5EF4-FFF2-40B4-BE49-F238E27FC236}">
-                <a16:creationId xmlns:a16="http://schemas.microsoft.com/office/drawing/2014/main" id="{CFDC893A-24D3-4AB9-ACB0-4F11544A8FD3}"/>
+                <a16:creationId xmlns:a16="http://schemas.microsoft.com/office/drawing/2014/main" id="{451190E0-034A-4CB4-BA09-B28E64371E07}"/>
               </a:ext>
             </a:extLst>
           </p:cNvPr>
@@ -5687,175 +6596,40 @@
                   </a:outerShdw>
                 </a:effectLst>
               </a:rPr>
-              <a:t>Data Sources</a:t>
-            </a:r>
-          </a:p>
-        </p:txBody>
-      </p:sp>
-      <p:sp>
-        <p:nvSpPr>
-          <p:cNvPr id="3" name="Content Placeholder 2">
-            <a:extLst>
-              <a:ext uri="{FF2B5EF4-FFF2-40B4-BE49-F238E27FC236}">
-                <a16:creationId xmlns:a16="http://schemas.microsoft.com/office/drawing/2014/main" id="{8CEFB7EE-C376-4AB9-936B-3F1E059BCD59}"/>
-              </a:ext>
-            </a:extLst>
-          </p:cNvPr>
-          <p:cNvSpPr>
-            <a:spLocks noGrp="1"/>
-          </p:cNvSpPr>
-          <p:nvPr>
-            <p:ph idx="1"/>
-          </p:nvPr>
-        </p:nvSpPr>
-        <p:spPr/>
-        <p:txBody>
-          <a:bodyPr>
-            <a:normAutofit/>
+              <a:t>Maps</a:t>
+            </a:r>
+          </a:p>
+        </p:txBody>
+      </p:sp>
+      <p:sp>
+        <p:nvSpPr>
+          <p:cNvPr id="6" name="TextBox 5">
+            <a:extLst>
+              <a:ext uri="{FF2B5EF4-FFF2-40B4-BE49-F238E27FC236}">
+                <a16:creationId xmlns:a16="http://schemas.microsoft.com/office/drawing/2014/main" id="{AC38F9C1-3733-4BA9-8246-934420AC2328}"/>
+              </a:ext>
+            </a:extLst>
+          </p:cNvPr>
+          <p:cNvSpPr txBox="1"/>
+          <p:nvPr/>
+        </p:nvSpPr>
+        <p:spPr>
+          <a:xfrm>
+            <a:off x="721895" y="1844842"/>
+            <a:ext cx="4588042" cy="400110"/>
+          </a:xfrm>
+          <a:prstGeom prst="rect">
+            <a:avLst/>
+          </a:prstGeom>
+          <a:noFill/>
+        </p:spPr>
+        <p:txBody>
+          <a:bodyPr wrap="square" rtlCol="0">
+            <a:spAutoFit/>
           </a:bodyPr>
           <a:lstStyle/>
           <a:p>
-            <a:r>
-              <a:rPr lang="en-US" sz="2000" dirty="0"/>
-              <a:t> </a:t>
-            </a:r>
-            <a:r>
-              <a:rPr lang="en-US" sz="2000" u="sng" dirty="0">
-                <a:effectLst>
-                  <a:outerShdw blurRad="38100" dist="38100" dir="2700000" algn="tl">
-                    <a:srgbClr val="000000">
-                      <a:alpha val="43137"/>
-                    </a:srgbClr>
-                  </a:outerShdw>
-                </a:effectLst>
-                <a:hlinkClick r:id="rId3">
-                  <a:extLst>
-                    <a:ext uri="{A12FA001-AC4F-418D-AE19-62706E023703}">
-                      <ahyp:hlinkClr xmlns:ahyp="http://schemas.microsoft.com/office/drawing/2018/hyperlinkcolor" val="tx"/>
-                    </a:ext>
-                  </a:extLst>
-                </a:hlinkClick>
-              </a:rPr>
-              <a:t>https://www.census.gov/data/datasets/time-series/demo/popest/2010s-counties-total.html</a:t>
-            </a:r>
-            <a:endParaRPr lang="en-US" sz="2000" dirty="0">
-              <a:effectLst>
-                <a:outerShdw blurRad="38100" dist="38100" dir="2700000" algn="tl">
-                  <a:srgbClr val="000000">
-                    <a:alpha val="43137"/>
-                  </a:srgbClr>
-                </a:outerShdw>
-              </a:effectLst>
-            </a:endParaRPr>
-          </a:p>
-          <a:p>
-            <a:endParaRPr lang="en-US" sz="2000" u="sng" dirty="0">
-              <a:effectLst>
-                <a:outerShdw blurRad="38100" dist="38100" dir="2700000" algn="tl">
-                  <a:srgbClr val="000000">
-                    <a:alpha val="43137"/>
-                  </a:srgbClr>
-                </a:outerShdw>
-              </a:effectLst>
-              <a:hlinkClick r:id="rId4">
-                <a:extLst>
-                  <a:ext uri="{A12FA001-AC4F-418D-AE19-62706E023703}">
-                    <ahyp:hlinkClr xmlns:ahyp="http://schemas.microsoft.com/office/drawing/2018/hyperlinkcolor" val="tx"/>
-                  </a:ext>
-                </a:extLst>
-              </a:hlinkClick>
-            </a:endParaRPr>
-          </a:p>
-          <a:p>
-            <a:r>
-              <a:rPr lang="en-US" sz="2000" u="sng" dirty="0">
-                <a:effectLst>
-                  <a:outerShdw blurRad="38100" dist="38100" dir="2700000" algn="tl">
-                    <a:srgbClr val="000000">
-                      <a:alpha val="43137"/>
-                    </a:srgbClr>
-                  </a:outerShdw>
-                </a:effectLst>
-                <a:hlinkClick r:id="rId4">
-                  <a:extLst>
-                    <a:ext uri="{A12FA001-AC4F-418D-AE19-62706E023703}">
-                      <ahyp:hlinkClr xmlns:ahyp="http://schemas.microsoft.com/office/drawing/2018/hyperlinkcolor" val="tx"/>
-                    </a:ext>
-                  </a:extLst>
-                </a:hlinkClick>
-              </a:rPr>
-              <a:t>https://worldpopulationreview.com/us-counties/</a:t>
-            </a:r>
-            <a:endParaRPr lang="en-US" sz="2000" dirty="0">
-              <a:effectLst>
-                <a:outerShdw blurRad="38100" dist="38100" dir="2700000" algn="tl">
-                  <a:srgbClr val="000000">
-                    <a:alpha val="43137"/>
-                  </a:srgbClr>
-                </a:outerShdw>
-              </a:effectLst>
-            </a:endParaRPr>
-          </a:p>
-          <a:p>
-            <a:endParaRPr lang="en-US" sz="2000" u="sng" dirty="0">
-              <a:effectLst>
-                <a:outerShdw blurRad="38100" dist="38100" dir="2700000" algn="tl">
-                  <a:srgbClr val="000000">
-                    <a:alpha val="43137"/>
-                  </a:srgbClr>
-                </a:outerShdw>
-              </a:effectLst>
-              <a:hlinkClick r:id="rId5">
-                <a:extLst>
-                  <a:ext uri="{A12FA001-AC4F-418D-AE19-62706E023703}">
-                    <ahyp:hlinkClr xmlns:ahyp="http://schemas.microsoft.com/office/drawing/2018/hyperlinkcolor" val="tx"/>
-                  </a:ext>
-                </a:extLst>
-              </a:hlinkClick>
-            </a:endParaRPr>
-          </a:p>
-          <a:p>
-            <a:r>
-              <a:rPr lang="en-US" sz="2000" u="sng" dirty="0">
-                <a:effectLst>
-                  <a:outerShdw blurRad="38100" dist="38100" dir="2700000" algn="tl">
-                    <a:srgbClr val="000000">
-                      <a:alpha val="43137"/>
-                    </a:srgbClr>
-                  </a:outerShdw>
-                </a:effectLst>
-                <a:hlinkClick r:id="rId5">
-                  <a:extLst>
-                    <a:ext uri="{A12FA001-AC4F-418D-AE19-62706E023703}">
-                      <ahyp:hlinkClr xmlns:ahyp="http://schemas.microsoft.com/office/drawing/2018/hyperlinkcolor" val="tx"/>
-                    </a:ext>
-                  </a:extLst>
-                </a:hlinkClick>
-              </a:rPr>
-              <a:t>https://www.usgs.gov/core-science-systems/ngp/board-on-geographic-names/download-gnis-data</a:t>
-            </a:r>
-            <a:endParaRPr lang="en-US" sz="2000" dirty="0">
-              <a:effectLst>
-                <a:outerShdw blurRad="38100" dist="38100" dir="2700000" algn="tl">
-                  <a:srgbClr val="000000">
-                    <a:alpha val="43137"/>
-                  </a:srgbClr>
-                </a:outerShdw>
-              </a:effectLst>
-            </a:endParaRPr>
-          </a:p>
-          <a:p>
-            <a:endParaRPr lang="en-US" sz="2000" dirty="0">
-              <a:effectLst>
-                <a:outerShdw blurRad="38100" dist="38100" dir="2700000" algn="tl">
-                  <a:srgbClr val="000000">
-                    <a:alpha val="43137"/>
-                  </a:srgbClr>
-                </a:outerShdw>
-              </a:effectLst>
-            </a:endParaRPr>
-          </a:p>
-          <a:p>
+            <a:pPr algn="ctr"/>
             <a:r>
               <a:rPr lang="en-US" sz="2000" dirty="0">
                 <a:effectLst>
@@ -5866,10 +6640,42 @@
                   </a:outerShdw>
                 </a:effectLst>
               </a:rPr>
-              <a:t>NOAA National Centers for Environmental information, Climate at a Glance: County Mapping, published June 2020, retrieved on June 30, 2020 from </a:t>
-            </a:r>
-            <a:r>
-              <a:rPr lang="en-US" sz="2000" u="sng" dirty="0">
+              <a:t>Average Temperature by County</a:t>
+            </a:r>
+          </a:p>
+        </p:txBody>
+      </p:sp>
+      <p:sp>
+        <p:nvSpPr>
+          <p:cNvPr id="9" name="TextBox 8">
+            <a:extLst>
+              <a:ext uri="{FF2B5EF4-FFF2-40B4-BE49-F238E27FC236}">
+                <a16:creationId xmlns:a16="http://schemas.microsoft.com/office/drawing/2014/main" id="{12A05CE1-BEFD-4CB0-903B-16D0E0A14A6E}"/>
+              </a:ext>
+            </a:extLst>
+          </p:cNvPr>
+          <p:cNvSpPr txBox="1"/>
+          <p:nvPr/>
+        </p:nvSpPr>
+        <p:spPr>
+          <a:xfrm>
+            <a:off x="6882065" y="1844842"/>
+            <a:ext cx="4588042" cy="400110"/>
+          </a:xfrm>
+          <a:prstGeom prst="rect">
+            <a:avLst/>
+          </a:prstGeom>
+          <a:noFill/>
+        </p:spPr>
+        <p:txBody>
+          <a:bodyPr wrap="square" rtlCol="0">
+            <a:spAutoFit/>
+          </a:bodyPr>
+          <a:lstStyle/>
+          <a:p>
+            <a:pPr algn="ctr"/>
+            <a:r>
+              <a:rPr lang="en-US" sz="2000" dirty="0">
                 <a:effectLst>
                   <a:outerShdw blurRad="38100" dist="38100" dir="2700000" algn="tl">
                     <a:srgbClr val="000000">
@@ -5877,32 +6683,76 @@
                     </a:srgbClr>
                   </a:outerShdw>
                 </a:effectLst>
-                <a:hlinkClick r:id="rId6">
-                  <a:extLst>
-                    <a:ext uri="{A12FA001-AC4F-418D-AE19-62706E023703}">
-                      <ahyp:hlinkClr xmlns:ahyp="http://schemas.microsoft.com/office/drawing/2018/hyperlinkcolor" val="tx"/>
-                    </a:ext>
-                  </a:extLst>
-                </a:hlinkClick>
               </a:rPr>
-              <a:t>https://www.ncdc.noaa.gov/cag/</a:t>
-            </a:r>
-            <a:endParaRPr lang="en-US" sz="2000" dirty="0">
-              <a:effectLst>
-                <a:outerShdw blurRad="38100" dist="38100" dir="2700000" algn="tl">
-                  <a:srgbClr val="000000">
-                    <a:alpha val="43137"/>
-                  </a:srgbClr>
-                </a:outerShdw>
-              </a:effectLst>
-            </a:endParaRPr>
-          </a:p>
-        </p:txBody>
-      </p:sp>
+              <a:t>Average Precipitation by County</a:t>
+            </a:r>
+          </a:p>
+        </p:txBody>
+      </p:sp>
+      <p:pic>
+        <p:nvPicPr>
+          <p:cNvPr id="3" name="Picture 2">
+            <a:extLst>
+              <a:ext uri="{FF2B5EF4-FFF2-40B4-BE49-F238E27FC236}">
+                <a16:creationId xmlns:a16="http://schemas.microsoft.com/office/drawing/2014/main" id="{9E08557A-B7CC-4095-B754-5EAE500514EB}"/>
+              </a:ext>
+            </a:extLst>
+          </p:cNvPr>
+          <p:cNvPicPr>
+            <a:picLocks noChangeAspect="1"/>
+          </p:cNvPicPr>
+          <p:nvPr/>
+        </p:nvPicPr>
+        <p:blipFill>
+          <a:blip r:embed="rId3"/>
+          <a:stretch>
+            <a:fillRect/>
+          </a:stretch>
+        </p:blipFill>
+        <p:spPr>
+          <a:xfrm>
+            <a:off x="101266" y="2532271"/>
+            <a:ext cx="5829300" cy="3667125"/>
+          </a:xfrm>
+          <a:prstGeom prst="rect">
+            <a:avLst/>
+          </a:prstGeom>
+        </p:spPr>
+      </p:pic>
+      <p:pic>
+        <p:nvPicPr>
+          <p:cNvPr id="4" name="Picture 3">
+            <a:extLst>
+              <a:ext uri="{FF2B5EF4-FFF2-40B4-BE49-F238E27FC236}">
+                <a16:creationId xmlns:a16="http://schemas.microsoft.com/office/drawing/2014/main" id="{642C35BE-16E6-47B6-96B9-DBFCE6BD1497}"/>
+              </a:ext>
+            </a:extLst>
+          </p:cNvPr>
+          <p:cNvPicPr>
+            <a:picLocks noChangeAspect="1"/>
+          </p:cNvPicPr>
+          <p:nvPr/>
+        </p:nvPicPr>
+        <p:blipFill>
+          <a:blip r:embed="rId4"/>
+          <a:stretch>
+            <a:fillRect/>
+          </a:stretch>
+        </p:blipFill>
+        <p:spPr>
+          <a:xfrm>
+            <a:off x="6261436" y="2532271"/>
+            <a:ext cx="5829300" cy="3667125"/>
+          </a:xfrm>
+          <a:prstGeom prst="rect">
+            <a:avLst/>
+          </a:prstGeom>
+        </p:spPr>
+      </p:pic>
     </p:spTree>
     <p:extLst>
       <p:ext uri="{BB962C8B-B14F-4D97-AF65-F5344CB8AC3E}">
-        <p14:creationId xmlns:p14="http://schemas.microsoft.com/office/powerpoint/2010/main" val="1617398000"/>
+        <p14:creationId xmlns:p14="http://schemas.microsoft.com/office/powerpoint/2010/main" val="1266987108"/>
       </p:ext>
     </p:extLst>
   </p:cSld>

--- a/Geographic Factors on US Population Growth.pptx
+++ b/Geographic Factors on US Population Growth.pptx
@@ -5570,7 +5570,7 @@
                   </a:outerShdw>
                 </a:effectLst>
               </a:rPr>
-              <a:t>P-Value: .0000000423 </a:t>
+              <a:t>P-Value: .000000423 </a:t>
             </a:r>
           </a:p>
         </p:txBody>
